--- a/Lecture-9.pptx
+++ b/Lecture-9.pptx
@@ -16,10 +16,11 @@
     <p:sldId id="278" r:id="rId10"/>
     <p:sldId id="279" r:id="rId11"/>
     <p:sldId id="280" r:id="rId12"/>
-    <p:sldId id="281" r:id="rId13"/>
-    <p:sldId id="282" r:id="rId14"/>
-    <p:sldId id="283" r:id="rId15"/>
-    <p:sldId id="272" r:id="rId16"/>
+    <p:sldId id="284" r:id="rId13"/>
+    <p:sldId id="281" r:id="rId14"/>
+    <p:sldId id="282" r:id="rId15"/>
+    <p:sldId id="283" r:id="rId16"/>
+    <p:sldId id="272" r:id="rId17"/>
   </p:sldIdLst>
   <p:sldSz cx="12192000" cy="6858000"/>
   <p:notesSz cx="6858000" cy="9144000"/>
@@ -257,7 +258,7 @@
           <a:p>
             <a:fld id="{029A3C74-D5E8-40CF-884D-E02A3153811B}" type="datetimeFigureOut">
               <a:rPr lang="en-US" smtClean="0"/>
-              <a:t>4/10/2024</a:t>
+              <a:t>4/12/2024</a:t>
             </a:fld>
             <a:endParaRPr lang="en-US"/>
           </a:p>
@@ -427,7 +428,7 @@
           <a:p>
             <a:fld id="{029A3C74-D5E8-40CF-884D-E02A3153811B}" type="datetimeFigureOut">
               <a:rPr lang="en-US" smtClean="0"/>
-              <a:t>4/10/2024</a:t>
+              <a:t>4/12/2024</a:t>
             </a:fld>
             <a:endParaRPr lang="en-US"/>
           </a:p>
@@ -607,7 +608,7 @@
           <a:p>
             <a:fld id="{029A3C74-D5E8-40CF-884D-E02A3153811B}" type="datetimeFigureOut">
               <a:rPr lang="en-US" smtClean="0"/>
-              <a:t>4/10/2024</a:t>
+              <a:t>4/12/2024</a:t>
             </a:fld>
             <a:endParaRPr lang="en-US"/>
           </a:p>
@@ -777,7 +778,7 @@
           <a:p>
             <a:fld id="{029A3C74-D5E8-40CF-884D-E02A3153811B}" type="datetimeFigureOut">
               <a:rPr lang="en-US" smtClean="0"/>
-              <a:t>4/10/2024</a:t>
+              <a:t>4/12/2024</a:t>
             </a:fld>
             <a:endParaRPr lang="en-US"/>
           </a:p>
@@ -1023,7 +1024,7 @@
           <a:p>
             <a:fld id="{029A3C74-D5E8-40CF-884D-E02A3153811B}" type="datetimeFigureOut">
               <a:rPr lang="en-US" smtClean="0"/>
-              <a:t>4/10/2024</a:t>
+              <a:t>4/12/2024</a:t>
             </a:fld>
             <a:endParaRPr lang="en-US"/>
           </a:p>
@@ -1255,7 +1256,7 @@
           <a:p>
             <a:fld id="{029A3C74-D5E8-40CF-884D-E02A3153811B}" type="datetimeFigureOut">
               <a:rPr lang="en-US" smtClean="0"/>
-              <a:t>4/10/2024</a:t>
+              <a:t>4/12/2024</a:t>
             </a:fld>
             <a:endParaRPr lang="en-US"/>
           </a:p>
@@ -1622,7 +1623,7 @@
           <a:p>
             <a:fld id="{029A3C74-D5E8-40CF-884D-E02A3153811B}" type="datetimeFigureOut">
               <a:rPr lang="en-US" smtClean="0"/>
-              <a:t>4/10/2024</a:t>
+              <a:t>4/12/2024</a:t>
             </a:fld>
             <a:endParaRPr lang="en-US"/>
           </a:p>
@@ -1740,7 +1741,7 @@
           <a:p>
             <a:fld id="{029A3C74-D5E8-40CF-884D-E02A3153811B}" type="datetimeFigureOut">
               <a:rPr lang="en-US" smtClean="0"/>
-              <a:t>4/10/2024</a:t>
+              <a:t>4/12/2024</a:t>
             </a:fld>
             <a:endParaRPr lang="en-US"/>
           </a:p>
@@ -1835,7 +1836,7 @@
           <a:p>
             <a:fld id="{029A3C74-D5E8-40CF-884D-E02A3153811B}" type="datetimeFigureOut">
               <a:rPr lang="en-US" smtClean="0"/>
-              <a:t>4/10/2024</a:t>
+              <a:t>4/12/2024</a:t>
             </a:fld>
             <a:endParaRPr lang="en-US"/>
           </a:p>
@@ -2112,7 +2113,7 @@
           <a:p>
             <a:fld id="{029A3C74-D5E8-40CF-884D-E02A3153811B}" type="datetimeFigureOut">
               <a:rPr lang="en-US" smtClean="0"/>
-              <a:t>4/10/2024</a:t>
+              <a:t>4/12/2024</a:t>
             </a:fld>
             <a:endParaRPr lang="en-US"/>
           </a:p>
@@ -2365,7 +2366,7 @@
           <a:p>
             <a:fld id="{029A3C74-D5E8-40CF-884D-E02A3153811B}" type="datetimeFigureOut">
               <a:rPr lang="en-US" smtClean="0"/>
-              <a:t>4/10/2024</a:t>
+              <a:t>4/12/2024</a:t>
             </a:fld>
             <a:endParaRPr lang="en-US"/>
           </a:p>
@@ -2578,7 +2579,7 @@
           <a:p>
             <a:fld id="{029A3C74-D5E8-40CF-884D-E02A3153811B}" type="datetimeFigureOut">
               <a:rPr lang="en-US" smtClean="0"/>
-              <a:t>4/10/2024</a:t>
+              <a:t>4/12/2024</a:t>
             </a:fld>
             <a:endParaRPr lang="en-US"/>
           </a:p>
@@ -3007,11 +3008,7 @@
             </a:br>
             <a:r>
               <a:rPr lang="en-US" dirty="0" smtClean="0"/>
-              <a:t>Lecture - </a:t>
-            </a:r>
-            <a:r>
-              <a:rPr lang="en-US" dirty="0" smtClean="0"/>
-              <a:t>9</a:t>
+              <a:t>Lecture - 9</a:t>
             </a:r>
             <a:endParaRPr lang="en-US" dirty="0"/>
           </a:p>
@@ -3176,7 +3173,6 @@
               <a:rPr lang="en-US" sz="2200" dirty="0"/>
               <a:t>has used the CPU for one quantum) are shown in non-bold font.</a:t>
             </a:r>
-            <a:endParaRPr lang="en-US" sz="2200" dirty="0"/>
           </a:p>
         </p:txBody>
       </p:sp>
@@ -3469,7 +3465,6 @@
               <a:rPr lang="en-US" sz="2200" dirty="0"/>
               <a:t>systems, in which minimizing the turnaround time is the main criterion.</a:t>
             </a:r>
-            <a:endParaRPr lang="en-US" sz="2200" dirty="0"/>
           </a:p>
         </p:txBody>
       </p:sp>
@@ -3605,6 +3600,129 @@
             <p:ph type="title"/>
           </p:nvPr>
         </p:nvSpPr>
+        <p:spPr/>
+        <p:txBody>
+          <a:bodyPr/>
+          <a:lstStyle/>
+          <a:p>
+            <a:r>
+              <a:rPr lang="en-US" dirty="0">
+                <a:solidFill>
+                  <a:srgbClr val="FF0000"/>
+                </a:solidFill>
+              </a:rPr>
+              <a:t>Round-Robin Scheduling (Continue..)</a:t>
+            </a:r>
+            <a:endParaRPr lang="en-US" dirty="0"/>
+          </a:p>
+        </p:txBody>
+      </p:sp>
+      <p:sp>
+        <p:nvSpPr>
+          <p:cNvPr id="3" name="Content Placeholder 2"/>
+          <p:cNvSpPr>
+            <a:spLocks noGrp="1"/>
+          </p:cNvSpPr>
+          <p:nvPr>
+            <p:ph idx="1"/>
+          </p:nvPr>
+        </p:nvSpPr>
+        <p:spPr/>
+        <p:txBody>
+          <a:bodyPr/>
+          <a:lstStyle/>
+          <a:p>
+            <a:pPr>
+              <a:lnSpc>
+                <a:spcPct val="80000"/>
+              </a:lnSpc>
+              <a:spcBef>
+                <a:spcPct val="30000"/>
+              </a:spcBef>
+            </a:pPr>
+            <a:r>
+              <a:rPr lang="en-US" altLang="en-US" dirty="0"/>
+              <a:t>Average waiting time = 73</a:t>
+            </a:r>
+          </a:p>
+          <a:p>
+            <a:pPr>
+              <a:lnSpc>
+                <a:spcPct val="80000"/>
+              </a:lnSpc>
+              <a:spcBef>
+                <a:spcPct val="30000"/>
+              </a:spcBef>
+            </a:pPr>
+            <a:r>
+              <a:rPr lang="en-US" altLang="en-US" dirty="0"/>
+              <a:t>Average waiting time for SJF = 38</a:t>
+            </a:r>
+          </a:p>
+          <a:p>
+            <a:pPr>
+              <a:lnSpc>
+                <a:spcPct val="80000"/>
+              </a:lnSpc>
+              <a:spcBef>
+                <a:spcPct val="30000"/>
+              </a:spcBef>
+            </a:pPr>
+            <a:r>
+              <a:rPr lang="en-US" altLang="en-US" dirty="0"/>
+              <a:t>Typically, higher average turnaround than SJF, but better response</a:t>
+            </a:r>
+            <a:r>
+              <a:rPr lang="en-US" altLang="en-US" dirty="0" smtClean="0"/>
+              <a:t>.</a:t>
+            </a:r>
+            <a:endParaRPr lang="en-US" altLang="en-US" sz="2400" dirty="0" smtClean="0"/>
+          </a:p>
+          <a:p>
+            <a:endParaRPr lang="en-US" dirty="0"/>
+          </a:p>
+        </p:txBody>
+      </p:sp>
+    </p:spTree>
+    <p:extLst>
+      <p:ext uri="{BB962C8B-B14F-4D97-AF65-F5344CB8AC3E}">
+        <p14:creationId xmlns:p14="http://schemas.microsoft.com/office/powerpoint/2010/main" val="3921244158"/>
+      </p:ext>
+    </p:extLst>
+  </p:cSld>
+  <p:clrMapOvr>
+    <a:masterClrMapping/>
+  </p:clrMapOvr>
+</p:sld>
+</file>
+
+<file path=ppt/slides/slide13.xml><?xml version="1.0" encoding="utf-8"?>
+<p:sld xmlns:a="http://schemas.openxmlformats.org/drawingml/2006/main" xmlns:r="http://schemas.openxmlformats.org/officeDocument/2006/relationships" xmlns:p="http://schemas.openxmlformats.org/presentationml/2006/main">
+  <p:cSld>
+    <p:spTree>
+      <p:nvGrpSpPr>
+        <p:cNvPr id="1" name=""/>
+        <p:cNvGrpSpPr/>
+        <p:nvPr/>
+      </p:nvGrpSpPr>
+      <p:grpSpPr>
+        <a:xfrm>
+          <a:off x="0" y="0"/>
+          <a:ext cx="0" cy="0"/>
+          <a:chOff x="0" y="0"/>
+          <a:chExt cx="0" cy="0"/>
+        </a:xfrm>
+      </p:grpSpPr>
+      <p:sp>
+        <p:nvSpPr>
+          <p:cNvPr id="2" name="Title 1"/>
+          <p:cNvSpPr>
+            <a:spLocks noGrp="1"/>
+          </p:cNvSpPr>
+          <p:nvPr>
+            <p:ph type="title"/>
+          </p:nvPr>
+        </p:nvSpPr>
         <p:spPr>
           <a:xfrm>
             <a:off x="838200" y="365125"/>
@@ -3849,7 +3967,7 @@
 </p:sld>
 </file>
 
-<file path=ppt/slides/slide13.xml><?xml version="1.0" encoding="utf-8"?>
+<file path=ppt/slides/slide14.xml><?xml version="1.0" encoding="utf-8"?>
 <p:sld xmlns:a="http://schemas.openxmlformats.org/drawingml/2006/main" xmlns:r="http://schemas.openxmlformats.org/officeDocument/2006/relationships" xmlns:p="http://schemas.openxmlformats.org/presentationml/2006/main">
   <p:cSld>
     <p:spTree>
@@ -3977,7 +4095,6 @@
               <a:rPr lang="en-US" dirty="0"/>
               <a:t>of processes in lower-priority queues.</a:t>
             </a:r>
-            <a:endParaRPr lang="en-US" dirty="0"/>
           </a:p>
         </p:txBody>
       </p:sp>
@@ -4001,7 +4118,7 @@
 </p:sld>
 </file>
 
-<file path=ppt/slides/slide14.xml><?xml version="1.0" encoding="utf-8"?>
+<file path=ppt/slides/slide15.xml><?xml version="1.0" encoding="utf-8"?>
 <p:sld xmlns:a="http://schemas.openxmlformats.org/drawingml/2006/main" xmlns:r="http://schemas.openxmlformats.org/officeDocument/2006/relationships" xmlns:p="http://schemas.openxmlformats.org/presentationml/2006/main">
   <p:cSld>
     <p:spTree>
@@ -4170,7 +4287,7 @@
 </p:sld>
 </file>
 
-<file path=ppt/slides/slide15.xml><?xml version="1.0" encoding="utf-8"?>
+<file path=ppt/slides/slide16.xml><?xml version="1.0" encoding="utf-8"?>
 <p:sld xmlns:a="http://schemas.openxmlformats.org/drawingml/2006/main" xmlns:r="http://schemas.openxmlformats.org/officeDocument/2006/relationships" xmlns:p="http://schemas.openxmlformats.org/presentationml/2006/main" show="0">
   <p:cSld>
     <p:spTree>
@@ -5002,7 +5119,6 @@
               <a:rPr lang="en-US" sz="2200" dirty="0"/>
               <a:t>algorithm, resulting in the waiting times for P1, P2, and P3 to be 0, 5, and 8 times units. </a:t>
             </a:r>
-            <a:endParaRPr lang="en-US" sz="2200" dirty="0"/>
           </a:p>
         </p:txBody>
       </p:sp>
@@ -5683,7 +5799,6 @@
               <a:rPr lang="en-US" sz="2200" dirty="0"/>
               <a:t>that the waiting time for P2 has decreased from 5 to 2 and that of P3 has decreased from 8 to 0. The increase in the wait time for P1 is from 0 to 5, which is much smaller than the decrease in the wait times for P2 and P3.</a:t>
             </a:r>
-            <a:endParaRPr lang="en-US" sz="2200" dirty="0"/>
           </a:p>
         </p:txBody>
       </p:sp>
@@ -6477,7 +6592,6 @@
               <a:rPr lang="en-US" sz="2200" dirty="0"/>
               <a:t>scheduler will then proceed to the next process in the ready queue.</a:t>
             </a:r>
-            <a:endParaRPr lang="en-US" sz="2200" dirty="0"/>
           </a:p>
         </p:txBody>
       </p:sp>
@@ -6680,7 +6794,6 @@
               <a:rPr lang="en-US" sz="2200" dirty="0"/>
               <a:t>at 1/n the speed of real processor (q must be large with respect to context switch, otherwise the overhead is too high). </a:t>
             </a:r>
-            <a:endParaRPr lang="en-US" sz="2200" dirty="0"/>
           </a:p>
         </p:txBody>
       </p:sp>
@@ -6823,7 +6936,6 @@
               <a:rPr lang="en-US" sz="2200" dirty="0"/>
               <a:t>in quantum size.</a:t>
             </a:r>
-            <a:endParaRPr lang="en-US" sz="2200" dirty="0"/>
           </a:p>
         </p:txBody>
       </p:sp>
@@ -6874,11 +6986,7 @@
           <a:p>
             <a:r>
               <a:rPr lang="en-US" dirty="0"/>
-              <a:t>Figure 9.2 </a:t>
-            </a:r>
-            <a:r>
-              <a:rPr lang="en-US" dirty="0"/>
-              <a:t>Quantum size versus number of context </a:t>
+              <a:t>Figure 9.2 Quantum size versus number of context </a:t>
             </a:r>
             <a:r>
               <a:rPr lang="en-US" dirty="0" smtClean="0"/>

--- a/Lecture-9.pptx
+++ b/Lecture-9.pptx
@@ -14,18 +14,18 @@
     <p:sldId id="276" r:id="rId8"/>
     <p:sldId id="277" r:id="rId9"/>
     <p:sldId id="278" r:id="rId10"/>
-    <p:sldId id="285" r:id="rId11"/>
-    <p:sldId id="286" r:id="rId12"/>
-    <p:sldId id="287" r:id="rId13"/>
-    <p:sldId id="288" r:id="rId14"/>
-    <p:sldId id="289" r:id="rId15"/>
-    <p:sldId id="290" r:id="rId16"/>
-    <p:sldId id="291" r:id="rId17"/>
-    <p:sldId id="292" r:id="rId18"/>
-    <p:sldId id="293" r:id="rId19"/>
-    <p:sldId id="279" r:id="rId20"/>
-    <p:sldId id="280" r:id="rId21"/>
-    <p:sldId id="284" r:id="rId22"/>
+    <p:sldId id="294" r:id="rId11"/>
+    <p:sldId id="295" r:id="rId12"/>
+    <p:sldId id="296" r:id="rId13"/>
+    <p:sldId id="285" r:id="rId14"/>
+    <p:sldId id="286" r:id="rId15"/>
+    <p:sldId id="287" r:id="rId16"/>
+    <p:sldId id="288" r:id="rId17"/>
+    <p:sldId id="289" r:id="rId18"/>
+    <p:sldId id="290" r:id="rId19"/>
+    <p:sldId id="291" r:id="rId20"/>
+    <p:sldId id="292" r:id="rId21"/>
+    <p:sldId id="293" r:id="rId22"/>
     <p:sldId id="281" r:id="rId23"/>
     <p:sldId id="282" r:id="rId24"/>
     <p:sldId id="283" r:id="rId25"/>
@@ -3110,6 +3110,656 @@
           </a:p>
         </p:txBody>
       </p:sp>
+      <p:sp>
+        <p:nvSpPr>
+          <p:cNvPr id="3" name="Content Placeholder 2"/>
+          <p:cNvSpPr>
+            <a:spLocks noGrp="1"/>
+          </p:cNvSpPr>
+          <p:nvPr>
+            <p:ph idx="1"/>
+          </p:nvPr>
+        </p:nvSpPr>
+        <p:spPr>
+          <a:xfrm>
+            <a:off x="838200" y="1113183"/>
+            <a:ext cx="10515600" cy="2040834"/>
+          </a:xfrm>
+        </p:spPr>
+        <p:txBody>
+          <a:bodyPr>
+            <a:noAutofit/>
+          </a:bodyPr>
+          <a:lstStyle/>
+          <a:p>
+            <a:r>
+              <a:rPr lang="en-US" sz="2200" dirty="0"/>
+              <a:t>We now consider the following system workload to illustrate working of the </a:t>
+            </a:r>
+            <a:r>
+              <a:rPr lang="en-US" sz="2200" dirty="0" err="1"/>
+              <a:t>roundrobin</a:t>
+            </a:r>
+            <a:r>
+              <a:rPr lang="en-US" sz="2200" dirty="0"/>
+              <a:t> algorithm. </a:t>
+            </a:r>
+            <a:endParaRPr lang="en-US" sz="2200" dirty="0" smtClean="0"/>
+          </a:p>
+          <a:p>
+            <a:r>
+              <a:rPr lang="en-US" sz="2200" dirty="0" smtClean="0"/>
+              <a:t>Execution </a:t>
+            </a:r>
+            <a:r>
+              <a:rPr lang="en-US" sz="2200" dirty="0"/>
+              <a:t>of P1 though P4 with quantum 20 is shown in Figure </a:t>
+            </a:r>
+            <a:r>
+              <a:rPr lang="en-US" sz="2200" dirty="0" smtClean="0"/>
+              <a:t>9.4</a:t>
+            </a:r>
+            <a:r>
+              <a:rPr lang="en-US" sz="2200" dirty="0"/>
+              <a:t>. </a:t>
+            </a:r>
+            <a:endParaRPr lang="en-US" sz="2200" dirty="0" smtClean="0"/>
+          </a:p>
+          <a:p>
+            <a:r>
+              <a:rPr lang="en-US" sz="2200" dirty="0" smtClean="0"/>
+              <a:t>In the </a:t>
+            </a:r>
+            <a:r>
+              <a:rPr lang="en-US" sz="2200" dirty="0"/>
+              <a:t>table, original CPU bursts are shown in bold and remaining CPU bursts (after </a:t>
+            </a:r>
+            <a:r>
+              <a:rPr lang="en-US" sz="2200" dirty="0" smtClean="0"/>
+              <a:t>a process </a:t>
+            </a:r>
+            <a:r>
+              <a:rPr lang="en-US" sz="2200" dirty="0"/>
+              <a:t>has used the CPU for one quantum) are shown in non-bold font.</a:t>
+            </a:r>
+          </a:p>
+        </p:txBody>
+      </p:sp>
+      <p:pic>
+        <p:nvPicPr>
+          <p:cNvPr id="4" name="Picture 3"/>
+          <p:cNvPicPr>
+            <a:picLocks noChangeAspect="1"/>
+          </p:cNvPicPr>
+          <p:nvPr/>
+        </p:nvPicPr>
+        <p:blipFill>
+          <a:blip r:embed="rId2"/>
+          <a:stretch>
+            <a:fillRect/>
+          </a:stretch>
+        </p:blipFill>
+        <p:spPr>
+          <a:xfrm>
+            <a:off x="3819207" y="3154017"/>
+            <a:ext cx="6848793" cy="3252461"/>
+          </a:xfrm>
+          <a:prstGeom prst="rect">
+            <a:avLst/>
+          </a:prstGeom>
+        </p:spPr>
+      </p:pic>
+      <p:sp>
+        <p:nvSpPr>
+          <p:cNvPr id="5" name="Rectangle 4"/>
+          <p:cNvSpPr/>
+          <p:nvPr/>
+        </p:nvSpPr>
+        <p:spPr>
+          <a:xfrm>
+            <a:off x="838200" y="3796245"/>
+            <a:ext cx="2981007" cy="1754326"/>
+          </a:xfrm>
+          <a:prstGeom prst="rect">
+            <a:avLst/>
+          </a:prstGeom>
+        </p:spPr>
+        <p:txBody>
+          <a:bodyPr wrap="square">
+            <a:spAutoFit/>
+          </a:bodyPr>
+          <a:lstStyle/>
+          <a:p>
+            <a:r>
+              <a:rPr lang="en-US" dirty="0">
+                <a:solidFill>
+                  <a:srgbClr val="000000"/>
+                </a:solidFill>
+                <a:latin typeface="TimesNewRoman"/>
+              </a:rPr>
+              <a:t>Figure </a:t>
+            </a:r>
+            <a:r>
+              <a:rPr lang="en-US" dirty="0" smtClean="0">
+                <a:solidFill>
+                  <a:srgbClr val="000000"/>
+                </a:solidFill>
+                <a:latin typeface="TimesNewRoman"/>
+              </a:rPr>
+              <a:t>9.4 </a:t>
+            </a:r>
+            <a:r>
+              <a:rPr lang="en-US" dirty="0">
+                <a:solidFill>
+                  <a:srgbClr val="000000"/>
+                </a:solidFill>
+                <a:latin typeface="TimesNewRoman"/>
+              </a:rPr>
+              <a:t>Gantt chart showing execution of P1, P2, P3, and P4 with quantum 20 time units</a:t>
+            </a:r>
+            <a:br>
+              <a:rPr lang="en-US" dirty="0">
+                <a:solidFill>
+                  <a:srgbClr val="000000"/>
+                </a:solidFill>
+                <a:latin typeface="TimesNewRoman"/>
+              </a:rPr>
+            </a:br>
+            <a:r>
+              <a:rPr lang="en-US" dirty="0">
+                <a:solidFill>
+                  <a:srgbClr val="000000"/>
+                </a:solidFill>
+                <a:latin typeface="TimesNewRoman"/>
+              </a:rPr>
+              <a:t/>
+            </a:r>
+            <a:br>
+              <a:rPr lang="en-US" dirty="0">
+                <a:solidFill>
+                  <a:srgbClr val="000000"/>
+                </a:solidFill>
+                <a:latin typeface="TimesNewRoman"/>
+              </a:rPr>
+            </a:br>
+            <a:endParaRPr lang="en-US" dirty="0"/>
+          </a:p>
+        </p:txBody>
+      </p:sp>
+    </p:spTree>
+    <p:extLst>
+      <p:ext uri="{BB962C8B-B14F-4D97-AF65-F5344CB8AC3E}">
+        <p14:creationId xmlns:p14="http://schemas.microsoft.com/office/powerpoint/2010/main" val="2878530786"/>
+      </p:ext>
+    </p:extLst>
+  </p:cSld>
+  <p:clrMapOvr>
+    <a:masterClrMapping/>
+  </p:clrMapOvr>
+  <p:timing>
+    <p:tnLst>
+      <p:par>
+        <p:cTn id="1" dur="indefinite" restart="never" nodeType="tmRoot"/>
+      </p:par>
+    </p:tnLst>
+  </p:timing>
+</p:sld>
+</file>
+
+<file path=ppt/slides/slide11.xml><?xml version="1.0" encoding="utf-8"?>
+<p:sld xmlns:a="http://schemas.openxmlformats.org/drawingml/2006/main" xmlns:r="http://schemas.openxmlformats.org/officeDocument/2006/relationships" xmlns:p="http://schemas.openxmlformats.org/presentationml/2006/main">
+  <p:cSld>
+    <p:spTree>
+      <p:nvGrpSpPr>
+        <p:cNvPr id="1" name=""/>
+        <p:cNvGrpSpPr/>
+        <p:nvPr/>
+      </p:nvGrpSpPr>
+      <p:grpSpPr>
+        <a:xfrm>
+          <a:off x="0" y="0"/>
+          <a:ext cx="0" cy="0"/>
+          <a:chOff x="0" y="0"/>
+          <a:chExt cx="0" cy="0"/>
+        </a:xfrm>
+      </p:grpSpPr>
+      <p:sp>
+        <p:nvSpPr>
+          <p:cNvPr id="2" name="Title 1"/>
+          <p:cNvSpPr>
+            <a:spLocks noGrp="1"/>
+          </p:cNvSpPr>
+          <p:nvPr>
+            <p:ph type="title"/>
+          </p:nvPr>
+        </p:nvSpPr>
+        <p:spPr>
+          <a:xfrm>
+            <a:off x="838200" y="365125"/>
+            <a:ext cx="10515600" cy="536023"/>
+          </a:xfrm>
+        </p:spPr>
+        <p:txBody>
+          <a:bodyPr>
+            <a:normAutofit fontScale="90000"/>
+          </a:bodyPr>
+          <a:lstStyle/>
+          <a:p>
+            <a:r>
+              <a:rPr lang="en-US" dirty="0" smtClean="0">
+                <a:solidFill>
+                  <a:srgbClr val="FF0000"/>
+                </a:solidFill>
+              </a:rPr>
+              <a:t>Round-Robin Scheduling (Continue..)</a:t>
+            </a:r>
+            <a:endParaRPr lang="en-US" dirty="0">
+              <a:solidFill>
+                <a:srgbClr val="FF0000"/>
+              </a:solidFill>
+            </a:endParaRPr>
+          </a:p>
+        </p:txBody>
+      </p:sp>
+      <p:sp>
+        <p:nvSpPr>
+          <p:cNvPr id="3" name="Content Placeholder 2"/>
+          <p:cNvSpPr>
+            <a:spLocks noGrp="1"/>
+          </p:cNvSpPr>
+          <p:nvPr>
+            <p:ph idx="1"/>
+          </p:nvPr>
+        </p:nvSpPr>
+        <p:spPr>
+          <a:xfrm>
+            <a:off x="838200" y="1113183"/>
+            <a:ext cx="10515600" cy="3392556"/>
+          </a:xfrm>
+        </p:spPr>
+        <p:txBody>
+          <a:bodyPr>
+            <a:noAutofit/>
+          </a:bodyPr>
+          <a:lstStyle/>
+          <a:p>
+            <a:r>
+              <a:rPr lang="en-US" sz="2200" dirty="0"/>
+              <a:t>Figure </a:t>
+            </a:r>
+            <a:r>
+              <a:rPr lang="en-US" sz="2200" dirty="0" smtClean="0"/>
+              <a:t>9.5 </a:t>
+            </a:r>
+            <a:r>
+              <a:rPr lang="en-US" sz="2200" dirty="0"/>
+              <a:t>shows wait and turnaround times for the four processes. </a:t>
+            </a:r>
+            <a:endParaRPr lang="en-US" sz="2200" dirty="0" smtClean="0"/>
+          </a:p>
+          <a:p>
+            <a:r>
+              <a:rPr lang="en-US" sz="2200" dirty="0" smtClean="0"/>
+              <a:t>The </a:t>
+            </a:r>
+            <a:r>
+              <a:rPr lang="en-US" sz="2200" dirty="0"/>
+              <a:t>average </a:t>
+            </a:r>
+            <a:r>
+              <a:rPr lang="en-US" sz="2200" dirty="0" smtClean="0"/>
+              <a:t>wait time </a:t>
+            </a:r>
+            <a:r>
+              <a:rPr lang="en-US" sz="2200" dirty="0"/>
+              <a:t>for a process comes out to be 73 time units for round robin and 38 for </a:t>
+            </a:r>
+            <a:r>
+              <a:rPr lang="en-US" sz="2200" dirty="0" smtClean="0"/>
+              <a:t>SJF.</a:t>
+            </a:r>
+          </a:p>
+          <a:p>
+            <a:r>
+              <a:rPr lang="en-US" sz="2200" dirty="0" smtClean="0"/>
+              <a:t>Typically</a:t>
+            </a:r>
+            <a:r>
+              <a:rPr lang="en-US" sz="2200" dirty="0"/>
+              <a:t>, RR has a higher average turnaround than SJF, but better response. </a:t>
+            </a:r>
+            <a:endParaRPr lang="en-US" sz="2200" dirty="0" smtClean="0"/>
+          </a:p>
+          <a:p>
+            <a:r>
+              <a:rPr lang="en-US" sz="2200" dirty="0" smtClean="0"/>
+              <a:t>In </a:t>
+            </a:r>
+            <a:r>
+              <a:rPr lang="en-US" sz="2200" dirty="0"/>
+              <a:t>timesharing systems, shorter response time for a process is more important than </a:t>
+            </a:r>
+            <a:r>
+              <a:rPr lang="en-US" sz="2200" dirty="0" smtClean="0"/>
+              <a:t>shorter turnaround </a:t>
+            </a:r>
+            <a:r>
+              <a:rPr lang="en-US" sz="2200" dirty="0"/>
+              <a:t>time for the process. </a:t>
+            </a:r>
+            <a:endParaRPr lang="en-US" sz="2200" dirty="0" smtClean="0"/>
+          </a:p>
+          <a:p>
+            <a:r>
+              <a:rPr lang="en-US" sz="2200" dirty="0" smtClean="0"/>
+              <a:t>Thus</a:t>
+            </a:r>
+            <a:r>
+              <a:rPr lang="en-US" sz="2200" dirty="0"/>
+              <a:t>, round-robin scheduler matches the requirements </a:t>
+            </a:r>
+            <a:r>
+              <a:rPr lang="en-US" sz="2200" dirty="0" smtClean="0"/>
+              <a:t>of time-sharing </a:t>
+            </a:r>
+            <a:r>
+              <a:rPr lang="en-US" sz="2200" dirty="0"/>
+              <a:t>systems better than the SJF algorithm. SJF scheduler is better suited </a:t>
+            </a:r>
+            <a:r>
+              <a:rPr lang="en-US" sz="2200" dirty="0" smtClean="0"/>
+              <a:t>for batch </a:t>
+            </a:r>
+            <a:r>
+              <a:rPr lang="en-US" sz="2200" dirty="0"/>
+              <a:t>systems, in which minimizing the turnaround time is the main criterion.</a:t>
+            </a:r>
+          </a:p>
+        </p:txBody>
+      </p:sp>
+      <p:pic>
+        <p:nvPicPr>
+          <p:cNvPr id="4" name="Picture 3"/>
+          <p:cNvPicPr>
+            <a:picLocks noChangeAspect="1"/>
+          </p:cNvPicPr>
+          <p:nvPr/>
+        </p:nvPicPr>
+        <p:blipFill>
+          <a:blip r:embed="rId2"/>
+          <a:stretch>
+            <a:fillRect/>
+          </a:stretch>
+        </p:blipFill>
+        <p:spPr>
+          <a:xfrm>
+            <a:off x="4188998" y="4598504"/>
+            <a:ext cx="7022341" cy="1620541"/>
+          </a:xfrm>
+          <a:prstGeom prst="rect">
+            <a:avLst/>
+          </a:prstGeom>
+        </p:spPr>
+      </p:pic>
+      <p:sp>
+        <p:nvSpPr>
+          <p:cNvPr id="5" name="Rectangle 4"/>
+          <p:cNvSpPr/>
+          <p:nvPr/>
+        </p:nvSpPr>
+        <p:spPr>
+          <a:xfrm>
+            <a:off x="838200" y="4835891"/>
+            <a:ext cx="1984513" cy="1200329"/>
+          </a:xfrm>
+          <a:prstGeom prst="rect">
+            <a:avLst/>
+          </a:prstGeom>
+        </p:spPr>
+        <p:txBody>
+          <a:bodyPr wrap="square">
+            <a:spAutoFit/>
+          </a:bodyPr>
+          <a:lstStyle/>
+          <a:p>
+            <a:r>
+              <a:rPr lang="en-US" dirty="0">
+                <a:solidFill>
+                  <a:srgbClr val="000000"/>
+                </a:solidFill>
+                <a:latin typeface="TimesNewRoman"/>
+              </a:rPr>
+              <a:t>Figure </a:t>
+            </a:r>
+            <a:r>
+              <a:rPr lang="en-US" dirty="0" smtClean="0">
+                <a:solidFill>
+                  <a:srgbClr val="000000"/>
+                </a:solidFill>
+                <a:latin typeface="TimesNewRoman"/>
+              </a:rPr>
+              <a:t>9.5 </a:t>
+            </a:r>
+            <a:r>
+              <a:rPr lang="en-US" dirty="0">
+                <a:solidFill>
+                  <a:srgbClr val="000000"/>
+                </a:solidFill>
+                <a:latin typeface="TimesNewRoman"/>
+              </a:rPr>
+              <a:t>Wait and turnaround times for </a:t>
+            </a:r>
+            <a:r>
+              <a:rPr lang="en-US" dirty="0" smtClean="0">
+                <a:solidFill>
+                  <a:srgbClr val="000000"/>
+                </a:solidFill>
+                <a:latin typeface="TimesNewRoman"/>
+              </a:rPr>
+              <a:t>processes</a:t>
+            </a:r>
+            <a:endParaRPr lang="en-US" dirty="0"/>
+          </a:p>
+        </p:txBody>
+      </p:sp>
+    </p:spTree>
+    <p:extLst>
+      <p:ext uri="{BB962C8B-B14F-4D97-AF65-F5344CB8AC3E}">
+        <p14:creationId xmlns:p14="http://schemas.microsoft.com/office/powerpoint/2010/main" val="3668899193"/>
+      </p:ext>
+    </p:extLst>
+  </p:cSld>
+  <p:clrMapOvr>
+    <a:masterClrMapping/>
+  </p:clrMapOvr>
+  <p:timing>
+    <p:tnLst>
+      <p:par>
+        <p:cTn id="1" dur="indefinite" restart="never" nodeType="tmRoot"/>
+      </p:par>
+    </p:tnLst>
+  </p:timing>
+</p:sld>
+</file>
+
+<file path=ppt/slides/slide12.xml><?xml version="1.0" encoding="utf-8"?>
+<p:sld xmlns:a="http://schemas.openxmlformats.org/drawingml/2006/main" xmlns:r="http://schemas.openxmlformats.org/officeDocument/2006/relationships" xmlns:p="http://schemas.openxmlformats.org/presentationml/2006/main">
+  <p:cSld>
+    <p:spTree>
+      <p:nvGrpSpPr>
+        <p:cNvPr id="1" name=""/>
+        <p:cNvGrpSpPr/>
+        <p:nvPr/>
+      </p:nvGrpSpPr>
+      <p:grpSpPr>
+        <a:xfrm>
+          <a:off x="0" y="0"/>
+          <a:ext cx="0" cy="0"/>
+          <a:chOff x="0" y="0"/>
+          <a:chExt cx="0" cy="0"/>
+        </a:xfrm>
+      </p:grpSpPr>
+      <p:sp>
+        <p:nvSpPr>
+          <p:cNvPr id="2" name="Title 1"/>
+          <p:cNvSpPr>
+            <a:spLocks noGrp="1"/>
+          </p:cNvSpPr>
+          <p:nvPr>
+            <p:ph type="title"/>
+          </p:nvPr>
+        </p:nvSpPr>
+        <p:spPr/>
+        <p:txBody>
+          <a:bodyPr/>
+          <a:lstStyle/>
+          <a:p>
+            <a:r>
+              <a:rPr lang="en-US" dirty="0">
+                <a:solidFill>
+                  <a:srgbClr val="FF0000"/>
+                </a:solidFill>
+              </a:rPr>
+              <a:t>Round-Robin Scheduling (Continue..)</a:t>
+            </a:r>
+            <a:endParaRPr lang="en-US" dirty="0"/>
+          </a:p>
+        </p:txBody>
+      </p:sp>
+      <p:sp>
+        <p:nvSpPr>
+          <p:cNvPr id="3" name="Content Placeholder 2"/>
+          <p:cNvSpPr>
+            <a:spLocks noGrp="1"/>
+          </p:cNvSpPr>
+          <p:nvPr>
+            <p:ph idx="1"/>
+          </p:nvPr>
+        </p:nvSpPr>
+        <p:spPr/>
+        <p:txBody>
+          <a:bodyPr/>
+          <a:lstStyle/>
+          <a:p>
+            <a:pPr>
+              <a:lnSpc>
+                <a:spcPct val="80000"/>
+              </a:lnSpc>
+              <a:spcBef>
+                <a:spcPct val="30000"/>
+              </a:spcBef>
+            </a:pPr>
+            <a:r>
+              <a:rPr lang="en-US" altLang="en-US" dirty="0"/>
+              <a:t>Average waiting time = 73</a:t>
+            </a:r>
+          </a:p>
+          <a:p>
+            <a:pPr>
+              <a:lnSpc>
+                <a:spcPct val="80000"/>
+              </a:lnSpc>
+              <a:spcBef>
+                <a:spcPct val="30000"/>
+              </a:spcBef>
+            </a:pPr>
+            <a:r>
+              <a:rPr lang="en-US" altLang="en-US" dirty="0"/>
+              <a:t>Average waiting time for SJF = 38</a:t>
+            </a:r>
+          </a:p>
+          <a:p>
+            <a:pPr>
+              <a:lnSpc>
+                <a:spcPct val="80000"/>
+              </a:lnSpc>
+              <a:spcBef>
+                <a:spcPct val="30000"/>
+              </a:spcBef>
+            </a:pPr>
+            <a:r>
+              <a:rPr lang="en-US" altLang="en-US" dirty="0"/>
+              <a:t>Typically, higher average turnaround than SJF, but better response</a:t>
+            </a:r>
+            <a:r>
+              <a:rPr lang="en-US" altLang="en-US" dirty="0" smtClean="0"/>
+              <a:t>.</a:t>
+            </a:r>
+            <a:endParaRPr lang="en-US" altLang="en-US" sz="2400" dirty="0" smtClean="0"/>
+          </a:p>
+          <a:p>
+            <a:endParaRPr lang="en-US" dirty="0"/>
+          </a:p>
+        </p:txBody>
+      </p:sp>
+    </p:spTree>
+    <p:extLst>
+      <p:ext uri="{BB962C8B-B14F-4D97-AF65-F5344CB8AC3E}">
+        <p14:creationId xmlns:p14="http://schemas.microsoft.com/office/powerpoint/2010/main" val="918458023"/>
+      </p:ext>
+    </p:extLst>
+  </p:cSld>
+  <p:clrMapOvr>
+    <a:masterClrMapping/>
+  </p:clrMapOvr>
+</p:sld>
+</file>
+
+<file path=ppt/slides/slide13.xml><?xml version="1.0" encoding="utf-8"?>
+<p:sld xmlns:a="http://schemas.openxmlformats.org/drawingml/2006/main" xmlns:r="http://schemas.openxmlformats.org/officeDocument/2006/relationships" xmlns:p="http://schemas.openxmlformats.org/presentationml/2006/main">
+  <p:cSld>
+    <p:spTree>
+      <p:nvGrpSpPr>
+        <p:cNvPr id="1" name=""/>
+        <p:cNvGrpSpPr/>
+        <p:nvPr/>
+      </p:nvGrpSpPr>
+      <p:grpSpPr>
+        <a:xfrm>
+          <a:off x="0" y="0"/>
+          <a:ext cx="0" cy="0"/>
+          <a:chOff x="0" y="0"/>
+          <a:chExt cx="0" cy="0"/>
+        </a:xfrm>
+      </p:grpSpPr>
+      <p:sp>
+        <p:nvSpPr>
+          <p:cNvPr id="2" name="Title 1"/>
+          <p:cNvSpPr>
+            <a:spLocks noGrp="1"/>
+          </p:cNvSpPr>
+          <p:nvPr>
+            <p:ph type="title"/>
+          </p:nvPr>
+        </p:nvSpPr>
+        <p:spPr>
+          <a:xfrm>
+            <a:off x="838200" y="365125"/>
+            <a:ext cx="10515600" cy="536023"/>
+          </a:xfrm>
+        </p:spPr>
+        <p:txBody>
+          <a:bodyPr>
+            <a:normAutofit fontScale="90000"/>
+          </a:bodyPr>
+          <a:lstStyle/>
+          <a:p>
+            <a:r>
+              <a:rPr lang="en-US" dirty="0" smtClean="0">
+                <a:solidFill>
+                  <a:srgbClr val="FF0000"/>
+                </a:solidFill>
+              </a:rPr>
+              <a:t>Round-Robin Scheduling (Continue..)</a:t>
+            </a:r>
+            <a:endParaRPr lang="en-US" dirty="0">
+              <a:solidFill>
+                <a:srgbClr val="FF0000"/>
+              </a:solidFill>
+            </a:endParaRPr>
+          </a:p>
+        </p:txBody>
+      </p:sp>
       <p:graphicFrame>
         <p:nvGraphicFramePr>
           <p:cNvPr id="5" name="Table 4"/>
@@ -5435,7 +6085,7 @@
 </p:sld>
 </file>
 
-<file path=ppt/slides/slide11.xml><?xml version="1.0" encoding="utf-8"?>
+<file path=ppt/slides/slide14.xml><?xml version="1.0" encoding="utf-8"?>
 <p:sld xmlns:a="http://schemas.openxmlformats.org/drawingml/2006/main" xmlns:r="http://schemas.openxmlformats.org/officeDocument/2006/relationships" xmlns:p="http://schemas.openxmlformats.org/presentationml/2006/main">
   <p:cSld>
     <p:spTree>
@@ -8318,7 +8968,7 @@
 </p:sld>
 </file>
 
-<file path=ppt/slides/slide12.xml><?xml version="1.0" encoding="utf-8"?>
+<file path=ppt/slides/slide15.xml><?xml version="1.0" encoding="utf-8"?>
 <p:sld xmlns:a="http://schemas.openxmlformats.org/drawingml/2006/main" xmlns:r="http://schemas.openxmlformats.org/officeDocument/2006/relationships" xmlns:p="http://schemas.openxmlformats.org/presentationml/2006/main">
   <p:cSld>
     <p:spTree>
@@ -11708,7 +12358,7 @@
 </p:sld>
 </file>
 
-<file path=ppt/slides/slide13.xml><?xml version="1.0" encoding="utf-8"?>
+<file path=ppt/slides/slide16.xml><?xml version="1.0" encoding="utf-8"?>
 <p:sld xmlns:a="http://schemas.openxmlformats.org/drawingml/2006/main" xmlns:r="http://schemas.openxmlformats.org/officeDocument/2006/relationships" xmlns:p="http://schemas.openxmlformats.org/presentationml/2006/main">
   <p:cSld>
     <p:spTree>
@@ -15570,7 +16220,7 @@
 </p:sld>
 </file>
 
-<file path=ppt/slides/slide14.xml><?xml version="1.0" encoding="utf-8"?>
+<file path=ppt/slides/slide17.xml><?xml version="1.0" encoding="utf-8"?>
 <p:sld xmlns:a="http://schemas.openxmlformats.org/drawingml/2006/main" xmlns:r="http://schemas.openxmlformats.org/officeDocument/2006/relationships" xmlns:p="http://schemas.openxmlformats.org/presentationml/2006/main">
   <p:cSld>
     <p:spTree>
@@ -19917,7 +20567,7 @@
 </p:sld>
 </file>
 
-<file path=ppt/slides/slide15.xml><?xml version="1.0" encoding="utf-8"?>
+<file path=ppt/slides/slide18.xml><?xml version="1.0" encoding="utf-8"?>
 <p:sld xmlns:a="http://schemas.openxmlformats.org/drawingml/2006/main" xmlns:r="http://schemas.openxmlformats.org/officeDocument/2006/relationships" xmlns:p="http://schemas.openxmlformats.org/presentationml/2006/main">
   <p:cSld>
     <p:spTree>
@@ -24733,7 +25383,7 @@
 </p:sld>
 </file>
 
-<file path=ppt/slides/slide16.xml><?xml version="1.0" encoding="utf-8"?>
+<file path=ppt/slides/slide19.xml><?xml version="1.0" encoding="utf-8"?>
 <p:sld xmlns:a="http://schemas.openxmlformats.org/drawingml/2006/main" xmlns:r="http://schemas.openxmlformats.org/officeDocument/2006/relationships" xmlns:p="http://schemas.openxmlformats.org/presentationml/2006/main">
   <p:cSld>
     <p:spTree>
@@ -30024,7 +30674,101 @@
 </p:sld>
 </file>
 
-<file path=ppt/slides/slide17.xml><?xml version="1.0" encoding="utf-8"?>
+<file path=ppt/slides/slide2.xml><?xml version="1.0" encoding="utf-8"?>
+<p:sld xmlns:a="http://schemas.openxmlformats.org/drawingml/2006/main" xmlns:r="http://schemas.openxmlformats.org/officeDocument/2006/relationships" xmlns:p="http://schemas.openxmlformats.org/presentationml/2006/main">
+  <p:cSld>
+    <p:spTree>
+      <p:nvGrpSpPr>
+        <p:cNvPr id="1" name=""/>
+        <p:cNvGrpSpPr/>
+        <p:nvPr/>
+      </p:nvGrpSpPr>
+      <p:grpSpPr>
+        <a:xfrm>
+          <a:off x="0" y="0"/>
+          <a:ext cx="0" cy="0"/>
+          <a:chOff x="0" y="0"/>
+          <a:chExt cx="0" cy="0"/>
+        </a:xfrm>
+      </p:grpSpPr>
+      <p:sp>
+        <p:nvSpPr>
+          <p:cNvPr id="2" name="Title 1"/>
+          <p:cNvSpPr>
+            <a:spLocks noGrp="1"/>
+          </p:cNvSpPr>
+          <p:nvPr>
+            <p:ph type="title"/>
+          </p:nvPr>
+        </p:nvSpPr>
+        <p:spPr/>
+        <p:txBody>
+          <a:bodyPr>
+            <a:normAutofit/>
+          </a:bodyPr>
+          <a:lstStyle/>
+          <a:p>
+            <a:r>
+              <a:rPr lang="en-US" dirty="0" smtClean="0"/>
+              <a:t>Summary</a:t>
+            </a:r>
+            <a:endParaRPr lang="en-US" dirty="0"/>
+          </a:p>
+        </p:txBody>
+      </p:sp>
+      <p:sp>
+        <p:nvSpPr>
+          <p:cNvPr id="3" name="Content Placeholder 2"/>
+          <p:cNvSpPr>
+            <a:spLocks noGrp="1"/>
+          </p:cNvSpPr>
+          <p:nvPr>
+            <p:ph idx="1"/>
+          </p:nvPr>
+        </p:nvSpPr>
+        <p:spPr/>
+        <p:txBody>
+          <a:bodyPr/>
+          <a:lstStyle/>
+          <a:p>
+            <a:r>
+              <a:rPr lang="en-US" dirty="0">
+                <a:solidFill>
+                  <a:srgbClr val="FF0000"/>
+                </a:solidFill>
+              </a:rPr>
+              <a:t>Scheduling </a:t>
+            </a:r>
+            <a:r>
+              <a:rPr lang="en-US" dirty="0" smtClean="0">
+                <a:solidFill>
+                  <a:srgbClr val="FF0000"/>
+                </a:solidFill>
+              </a:rPr>
+              <a:t>algorithms</a:t>
+            </a:r>
+            <a:endParaRPr lang="en-US" dirty="0">
+              <a:solidFill>
+                <a:srgbClr val="FF0000"/>
+              </a:solidFill>
+            </a:endParaRPr>
+          </a:p>
+        </p:txBody>
+      </p:sp>
+    </p:spTree>
+    <p:extLst>
+      <p:ext uri="{BB962C8B-B14F-4D97-AF65-F5344CB8AC3E}">
+        <p14:creationId xmlns:p14="http://schemas.microsoft.com/office/powerpoint/2010/main" val="3897405539"/>
+      </p:ext>
+    </p:extLst>
+  </p:cSld>
+  <p:clrMapOvr>
+    <a:masterClrMapping/>
+  </p:clrMapOvr>
+</p:sld>
+</file>
+
+<file path=ppt/slides/slide20.xml><?xml version="1.0" encoding="utf-8"?>
 <p:sld xmlns:a="http://schemas.openxmlformats.org/drawingml/2006/main" xmlns:r="http://schemas.openxmlformats.org/officeDocument/2006/relationships" xmlns:p="http://schemas.openxmlformats.org/presentationml/2006/main">
   <p:cSld>
     <p:spTree>
@@ -36300,7 +37044,7 @@
 </p:sld>
 </file>
 
-<file path=ppt/slides/slide18.xml><?xml version="1.0" encoding="utf-8"?>
+<file path=ppt/slides/slide21.xml><?xml version="1.0" encoding="utf-8"?>
 <p:sld xmlns:a="http://schemas.openxmlformats.org/drawingml/2006/main" xmlns:r="http://schemas.openxmlformats.org/officeDocument/2006/relationships" xmlns:p="http://schemas.openxmlformats.org/presentationml/2006/main">
   <p:cSld>
     <p:spTree>
@@ -38642,750 +39386,6 @@
       </p:par>
     </p:tnLst>
   </p:timing>
-</p:sld>
-</file>
-
-<file path=ppt/slides/slide19.xml><?xml version="1.0" encoding="utf-8"?>
-<p:sld xmlns:a="http://schemas.openxmlformats.org/drawingml/2006/main" xmlns:r="http://schemas.openxmlformats.org/officeDocument/2006/relationships" xmlns:p="http://schemas.openxmlformats.org/presentationml/2006/main">
-  <p:cSld>
-    <p:spTree>
-      <p:nvGrpSpPr>
-        <p:cNvPr id="1" name=""/>
-        <p:cNvGrpSpPr/>
-        <p:nvPr/>
-      </p:nvGrpSpPr>
-      <p:grpSpPr>
-        <a:xfrm>
-          <a:off x="0" y="0"/>
-          <a:ext cx="0" cy="0"/>
-          <a:chOff x="0" y="0"/>
-          <a:chExt cx="0" cy="0"/>
-        </a:xfrm>
-      </p:grpSpPr>
-      <p:sp>
-        <p:nvSpPr>
-          <p:cNvPr id="2" name="Title 1"/>
-          <p:cNvSpPr>
-            <a:spLocks noGrp="1"/>
-          </p:cNvSpPr>
-          <p:nvPr>
-            <p:ph type="title"/>
-          </p:nvPr>
-        </p:nvSpPr>
-        <p:spPr>
-          <a:xfrm>
-            <a:off x="838200" y="365125"/>
-            <a:ext cx="10515600" cy="536023"/>
-          </a:xfrm>
-        </p:spPr>
-        <p:txBody>
-          <a:bodyPr>
-            <a:normAutofit fontScale="90000"/>
-          </a:bodyPr>
-          <a:lstStyle/>
-          <a:p>
-            <a:r>
-              <a:rPr lang="en-US" dirty="0" smtClean="0">
-                <a:solidFill>
-                  <a:srgbClr val="FF0000"/>
-                </a:solidFill>
-              </a:rPr>
-              <a:t>Round-Robin Scheduling (Continue..)</a:t>
-            </a:r>
-            <a:endParaRPr lang="en-US" dirty="0">
-              <a:solidFill>
-                <a:srgbClr val="FF0000"/>
-              </a:solidFill>
-            </a:endParaRPr>
-          </a:p>
-        </p:txBody>
-      </p:sp>
-      <p:sp>
-        <p:nvSpPr>
-          <p:cNvPr id="3" name="Content Placeholder 2"/>
-          <p:cNvSpPr>
-            <a:spLocks noGrp="1"/>
-          </p:cNvSpPr>
-          <p:nvPr>
-            <p:ph idx="1"/>
-          </p:nvPr>
-        </p:nvSpPr>
-        <p:spPr>
-          <a:xfrm>
-            <a:off x="838200" y="1113183"/>
-            <a:ext cx="10515600" cy="2040834"/>
-          </a:xfrm>
-        </p:spPr>
-        <p:txBody>
-          <a:bodyPr>
-            <a:noAutofit/>
-          </a:bodyPr>
-          <a:lstStyle/>
-          <a:p>
-            <a:r>
-              <a:rPr lang="en-US" sz="2200" dirty="0"/>
-              <a:t>We now consider the following system workload to illustrate working of the </a:t>
-            </a:r>
-            <a:r>
-              <a:rPr lang="en-US" sz="2200" dirty="0" err="1"/>
-              <a:t>roundrobin</a:t>
-            </a:r>
-            <a:r>
-              <a:rPr lang="en-US" sz="2200" dirty="0"/>
-              <a:t> algorithm. </a:t>
-            </a:r>
-            <a:endParaRPr lang="en-US" sz="2200" dirty="0" smtClean="0"/>
-          </a:p>
-          <a:p>
-            <a:r>
-              <a:rPr lang="en-US" sz="2200" dirty="0" smtClean="0"/>
-              <a:t>Execution </a:t>
-            </a:r>
-            <a:r>
-              <a:rPr lang="en-US" sz="2200" dirty="0"/>
-              <a:t>of P1 though P4 with quantum 20 is shown in Figure </a:t>
-            </a:r>
-            <a:r>
-              <a:rPr lang="en-US" sz="2200" dirty="0" smtClean="0"/>
-              <a:t>9.4</a:t>
-            </a:r>
-            <a:r>
-              <a:rPr lang="en-US" sz="2200" dirty="0"/>
-              <a:t>. </a:t>
-            </a:r>
-            <a:endParaRPr lang="en-US" sz="2200" dirty="0" smtClean="0"/>
-          </a:p>
-          <a:p>
-            <a:r>
-              <a:rPr lang="en-US" sz="2200" dirty="0" smtClean="0"/>
-              <a:t>In the </a:t>
-            </a:r>
-            <a:r>
-              <a:rPr lang="en-US" sz="2200" dirty="0"/>
-              <a:t>table, original CPU bursts are shown in bold and remaining CPU bursts (after </a:t>
-            </a:r>
-            <a:r>
-              <a:rPr lang="en-US" sz="2200" dirty="0" smtClean="0"/>
-              <a:t>a process </a:t>
-            </a:r>
-            <a:r>
-              <a:rPr lang="en-US" sz="2200" dirty="0"/>
-              <a:t>has used the CPU for one quantum) are shown in non-bold font.</a:t>
-            </a:r>
-          </a:p>
-        </p:txBody>
-      </p:sp>
-      <p:pic>
-        <p:nvPicPr>
-          <p:cNvPr id="4" name="Picture 3"/>
-          <p:cNvPicPr>
-            <a:picLocks noChangeAspect="1"/>
-          </p:cNvPicPr>
-          <p:nvPr/>
-        </p:nvPicPr>
-        <p:blipFill>
-          <a:blip r:embed="rId2"/>
-          <a:stretch>
-            <a:fillRect/>
-          </a:stretch>
-        </p:blipFill>
-        <p:spPr>
-          <a:xfrm>
-            <a:off x="3819207" y="3154017"/>
-            <a:ext cx="6848793" cy="3252461"/>
-          </a:xfrm>
-          <a:prstGeom prst="rect">
-            <a:avLst/>
-          </a:prstGeom>
-        </p:spPr>
-      </p:pic>
-      <p:sp>
-        <p:nvSpPr>
-          <p:cNvPr id="5" name="Rectangle 4"/>
-          <p:cNvSpPr/>
-          <p:nvPr/>
-        </p:nvSpPr>
-        <p:spPr>
-          <a:xfrm>
-            <a:off x="838200" y="3796245"/>
-            <a:ext cx="2981007" cy="1754326"/>
-          </a:xfrm>
-          <a:prstGeom prst="rect">
-            <a:avLst/>
-          </a:prstGeom>
-        </p:spPr>
-        <p:txBody>
-          <a:bodyPr wrap="square">
-            <a:spAutoFit/>
-          </a:bodyPr>
-          <a:lstStyle/>
-          <a:p>
-            <a:r>
-              <a:rPr lang="en-US" dirty="0">
-                <a:solidFill>
-                  <a:srgbClr val="000000"/>
-                </a:solidFill>
-                <a:latin typeface="TimesNewRoman"/>
-              </a:rPr>
-              <a:t>Figure </a:t>
-            </a:r>
-            <a:r>
-              <a:rPr lang="en-US" dirty="0" smtClean="0">
-                <a:solidFill>
-                  <a:srgbClr val="000000"/>
-                </a:solidFill>
-                <a:latin typeface="TimesNewRoman"/>
-              </a:rPr>
-              <a:t>9.4 </a:t>
-            </a:r>
-            <a:r>
-              <a:rPr lang="en-US" dirty="0">
-                <a:solidFill>
-                  <a:srgbClr val="000000"/>
-                </a:solidFill>
-                <a:latin typeface="TimesNewRoman"/>
-              </a:rPr>
-              <a:t>Gantt chart showing execution of P1, P2, P3, and P4 with quantum 20 time units</a:t>
-            </a:r>
-            <a:br>
-              <a:rPr lang="en-US" dirty="0">
-                <a:solidFill>
-                  <a:srgbClr val="000000"/>
-                </a:solidFill>
-                <a:latin typeface="TimesNewRoman"/>
-              </a:rPr>
-            </a:br>
-            <a:r>
-              <a:rPr lang="en-US" dirty="0">
-                <a:solidFill>
-                  <a:srgbClr val="000000"/>
-                </a:solidFill>
-                <a:latin typeface="TimesNewRoman"/>
-              </a:rPr>
-              <a:t/>
-            </a:r>
-            <a:br>
-              <a:rPr lang="en-US" dirty="0">
-                <a:solidFill>
-                  <a:srgbClr val="000000"/>
-                </a:solidFill>
-                <a:latin typeface="TimesNewRoman"/>
-              </a:rPr>
-            </a:br>
-            <a:endParaRPr lang="en-US" dirty="0"/>
-          </a:p>
-        </p:txBody>
-      </p:sp>
-    </p:spTree>
-    <p:extLst>
-      <p:ext uri="{BB962C8B-B14F-4D97-AF65-F5344CB8AC3E}">
-        <p14:creationId xmlns:p14="http://schemas.microsoft.com/office/powerpoint/2010/main" val="1064410133"/>
-      </p:ext>
-    </p:extLst>
-  </p:cSld>
-  <p:clrMapOvr>
-    <a:masterClrMapping/>
-  </p:clrMapOvr>
-  <p:timing>
-    <p:tnLst>
-      <p:par>
-        <p:cTn id="1" dur="indefinite" restart="never" nodeType="tmRoot"/>
-      </p:par>
-    </p:tnLst>
-  </p:timing>
-</p:sld>
-</file>
-
-<file path=ppt/slides/slide2.xml><?xml version="1.0" encoding="utf-8"?>
-<p:sld xmlns:a="http://schemas.openxmlformats.org/drawingml/2006/main" xmlns:r="http://schemas.openxmlformats.org/officeDocument/2006/relationships" xmlns:p="http://schemas.openxmlformats.org/presentationml/2006/main">
-  <p:cSld>
-    <p:spTree>
-      <p:nvGrpSpPr>
-        <p:cNvPr id="1" name=""/>
-        <p:cNvGrpSpPr/>
-        <p:nvPr/>
-      </p:nvGrpSpPr>
-      <p:grpSpPr>
-        <a:xfrm>
-          <a:off x="0" y="0"/>
-          <a:ext cx="0" cy="0"/>
-          <a:chOff x="0" y="0"/>
-          <a:chExt cx="0" cy="0"/>
-        </a:xfrm>
-      </p:grpSpPr>
-      <p:sp>
-        <p:nvSpPr>
-          <p:cNvPr id="2" name="Title 1"/>
-          <p:cNvSpPr>
-            <a:spLocks noGrp="1"/>
-          </p:cNvSpPr>
-          <p:nvPr>
-            <p:ph type="title"/>
-          </p:nvPr>
-        </p:nvSpPr>
-        <p:spPr/>
-        <p:txBody>
-          <a:bodyPr>
-            <a:normAutofit/>
-          </a:bodyPr>
-          <a:lstStyle/>
-          <a:p>
-            <a:r>
-              <a:rPr lang="en-US" dirty="0" smtClean="0"/>
-              <a:t>Summary</a:t>
-            </a:r>
-            <a:endParaRPr lang="en-US" dirty="0"/>
-          </a:p>
-        </p:txBody>
-      </p:sp>
-      <p:sp>
-        <p:nvSpPr>
-          <p:cNvPr id="3" name="Content Placeholder 2"/>
-          <p:cNvSpPr>
-            <a:spLocks noGrp="1"/>
-          </p:cNvSpPr>
-          <p:nvPr>
-            <p:ph idx="1"/>
-          </p:nvPr>
-        </p:nvSpPr>
-        <p:spPr/>
-        <p:txBody>
-          <a:bodyPr/>
-          <a:lstStyle/>
-          <a:p>
-            <a:r>
-              <a:rPr lang="en-US" dirty="0">
-                <a:solidFill>
-                  <a:srgbClr val="FF0000"/>
-                </a:solidFill>
-              </a:rPr>
-              <a:t>Scheduling </a:t>
-            </a:r>
-            <a:r>
-              <a:rPr lang="en-US" dirty="0" smtClean="0">
-                <a:solidFill>
-                  <a:srgbClr val="FF0000"/>
-                </a:solidFill>
-              </a:rPr>
-              <a:t>algorithms</a:t>
-            </a:r>
-            <a:endParaRPr lang="en-US" dirty="0">
-              <a:solidFill>
-                <a:srgbClr val="FF0000"/>
-              </a:solidFill>
-            </a:endParaRPr>
-          </a:p>
-        </p:txBody>
-      </p:sp>
-    </p:spTree>
-    <p:extLst>
-      <p:ext uri="{BB962C8B-B14F-4D97-AF65-F5344CB8AC3E}">
-        <p14:creationId xmlns:p14="http://schemas.microsoft.com/office/powerpoint/2010/main" val="3897405539"/>
-      </p:ext>
-    </p:extLst>
-  </p:cSld>
-  <p:clrMapOvr>
-    <a:masterClrMapping/>
-  </p:clrMapOvr>
-</p:sld>
-</file>
-
-<file path=ppt/slides/slide20.xml><?xml version="1.0" encoding="utf-8"?>
-<p:sld xmlns:a="http://schemas.openxmlformats.org/drawingml/2006/main" xmlns:r="http://schemas.openxmlformats.org/officeDocument/2006/relationships" xmlns:p="http://schemas.openxmlformats.org/presentationml/2006/main">
-  <p:cSld>
-    <p:spTree>
-      <p:nvGrpSpPr>
-        <p:cNvPr id="1" name=""/>
-        <p:cNvGrpSpPr/>
-        <p:nvPr/>
-      </p:nvGrpSpPr>
-      <p:grpSpPr>
-        <a:xfrm>
-          <a:off x="0" y="0"/>
-          <a:ext cx="0" cy="0"/>
-          <a:chOff x="0" y="0"/>
-          <a:chExt cx="0" cy="0"/>
-        </a:xfrm>
-      </p:grpSpPr>
-      <p:sp>
-        <p:nvSpPr>
-          <p:cNvPr id="2" name="Title 1"/>
-          <p:cNvSpPr>
-            <a:spLocks noGrp="1"/>
-          </p:cNvSpPr>
-          <p:nvPr>
-            <p:ph type="title"/>
-          </p:nvPr>
-        </p:nvSpPr>
-        <p:spPr>
-          <a:xfrm>
-            <a:off x="838200" y="365125"/>
-            <a:ext cx="10515600" cy="536023"/>
-          </a:xfrm>
-        </p:spPr>
-        <p:txBody>
-          <a:bodyPr>
-            <a:normAutofit fontScale="90000"/>
-          </a:bodyPr>
-          <a:lstStyle/>
-          <a:p>
-            <a:r>
-              <a:rPr lang="en-US" dirty="0" smtClean="0">
-                <a:solidFill>
-                  <a:srgbClr val="FF0000"/>
-                </a:solidFill>
-              </a:rPr>
-              <a:t>Round-Robin Scheduling (Continue..)</a:t>
-            </a:r>
-            <a:endParaRPr lang="en-US" dirty="0">
-              <a:solidFill>
-                <a:srgbClr val="FF0000"/>
-              </a:solidFill>
-            </a:endParaRPr>
-          </a:p>
-        </p:txBody>
-      </p:sp>
-      <p:sp>
-        <p:nvSpPr>
-          <p:cNvPr id="3" name="Content Placeholder 2"/>
-          <p:cNvSpPr>
-            <a:spLocks noGrp="1"/>
-          </p:cNvSpPr>
-          <p:nvPr>
-            <p:ph idx="1"/>
-          </p:nvPr>
-        </p:nvSpPr>
-        <p:spPr>
-          <a:xfrm>
-            <a:off x="838200" y="1113183"/>
-            <a:ext cx="10515600" cy="3392556"/>
-          </a:xfrm>
-        </p:spPr>
-        <p:txBody>
-          <a:bodyPr>
-            <a:noAutofit/>
-          </a:bodyPr>
-          <a:lstStyle/>
-          <a:p>
-            <a:r>
-              <a:rPr lang="en-US" sz="2200" dirty="0"/>
-              <a:t>Figure </a:t>
-            </a:r>
-            <a:r>
-              <a:rPr lang="en-US" sz="2200" dirty="0" smtClean="0"/>
-              <a:t>9.5 </a:t>
-            </a:r>
-            <a:r>
-              <a:rPr lang="en-US" sz="2200" dirty="0"/>
-              <a:t>shows wait and turnaround times for the four processes. </a:t>
-            </a:r>
-            <a:endParaRPr lang="en-US" sz="2200" dirty="0" smtClean="0"/>
-          </a:p>
-          <a:p>
-            <a:r>
-              <a:rPr lang="en-US" sz="2200" dirty="0" smtClean="0"/>
-              <a:t>The </a:t>
-            </a:r>
-            <a:r>
-              <a:rPr lang="en-US" sz="2200" dirty="0"/>
-              <a:t>average </a:t>
-            </a:r>
-            <a:r>
-              <a:rPr lang="en-US" sz="2200" dirty="0" smtClean="0"/>
-              <a:t>wait time </a:t>
-            </a:r>
-            <a:r>
-              <a:rPr lang="en-US" sz="2200" dirty="0"/>
-              <a:t>for a process comes out to be 73 time units for round robin and 38 for </a:t>
-            </a:r>
-            <a:r>
-              <a:rPr lang="en-US" sz="2200" dirty="0" smtClean="0"/>
-              <a:t>SJF.</a:t>
-            </a:r>
-          </a:p>
-          <a:p>
-            <a:r>
-              <a:rPr lang="en-US" sz="2200" dirty="0" smtClean="0"/>
-              <a:t>Typically</a:t>
-            </a:r>
-            <a:r>
-              <a:rPr lang="en-US" sz="2200" dirty="0"/>
-              <a:t>, RR has a higher average turnaround than SJF, but better response. </a:t>
-            </a:r>
-            <a:endParaRPr lang="en-US" sz="2200" dirty="0" smtClean="0"/>
-          </a:p>
-          <a:p>
-            <a:r>
-              <a:rPr lang="en-US" sz="2200" dirty="0" smtClean="0"/>
-              <a:t>In </a:t>
-            </a:r>
-            <a:r>
-              <a:rPr lang="en-US" sz="2200" dirty="0"/>
-              <a:t>timesharing systems, shorter response time for a process is more important than </a:t>
-            </a:r>
-            <a:r>
-              <a:rPr lang="en-US" sz="2200" dirty="0" smtClean="0"/>
-              <a:t>shorter turnaround </a:t>
-            </a:r>
-            <a:r>
-              <a:rPr lang="en-US" sz="2200" dirty="0"/>
-              <a:t>time for the process. </a:t>
-            </a:r>
-            <a:endParaRPr lang="en-US" sz="2200" dirty="0" smtClean="0"/>
-          </a:p>
-          <a:p>
-            <a:r>
-              <a:rPr lang="en-US" sz="2200" dirty="0" smtClean="0"/>
-              <a:t>Thus</a:t>
-            </a:r>
-            <a:r>
-              <a:rPr lang="en-US" sz="2200" dirty="0"/>
-              <a:t>, round-robin scheduler matches the requirements </a:t>
-            </a:r>
-            <a:r>
-              <a:rPr lang="en-US" sz="2200" dirty="0" smtClean="0"/>
-              <a:t>of time-sharing </a:t>
-            </a:r>
-            <a:r>
-              <a:rPr lang="en-US" sz="2200" dirty="0"/>
-              <a:t>systems better than the SJF algorithm. SJF scheduler is better suited </a:t>
-            </a:r>
-            <a:r>
-              <a:rPr lang="en-US" sz="2200" dirty="0" smtClean="0"/>
-              <a:t>for batch </a:t>
-            </a:r>
-            <a:r>
-              <a:rPr lang="en-US" sz="2200" dirty="0"/>
-              <a:t>systems, in which minimizing the turnaround time is the main criterion.</a:t>
-            </a:r>
-          </a:p>
-        </p:txBody>
-      </p:sp>
-      <p:pic>
-        <p:nvPicPr>
-          <p:cNvPr id="4" name="Picture 3"/>
-          <p:cNvPicPr>
-            <a:picLocks noChangeAspect="1"/>
-          </p:cNvPicPr>
-          <p:nvPr/>
-        </p:nvPicPr>
-        <p:blipFill>
-          <a:blip r:embed="rId2"/>
-          <a:stretch>
-            <a:fillRect/>
-          </a:stretch>
-        </p:blipFill>
-        <p:spPr>
-          <a:xfrm>
-            <a:off x="4188998" y="4598504"/>
-            <a:ext cx="7022341" cy="1620541"/>
-          </a:xfrm>
-          <a:prstGeom prst="rect">
-            <a:avLst/>
-          </a:prstGeom>
-        </p:spPr>
-      </p:pic>
-      <p:sp>
-        <p:nvSpPr>
-          <p:cNvPr id="5" name="Rectangle 4"/>
-          <p:cNvSpPr/>
-          <p:nvPr/>
-        </p:nvSpPr>
-        <p:spPr>
-          <a:xfrm>
-            <a:off x="838200" y="4835891"/>
-            <a:ext cx="1984513" cy="1200329"/>
-          </a:xfrm>
-          <a:prstGeom prst="rect">
-            <a:avLst/>
-          </a:prstGeom>
-        </p:spPr>
-        <p:txBody>
-          <a:bodyPr wrap="square">
-            <a:spAutoFit/>
-          </a:bodyPr>
-          <a:lstStyle/>
-          <a:p>
-            <a:r>
-              <a:rPr lang="en-US" dirty="0">
-                <a:solidFill>
-                  <a:srgbClr val="000000"/>
-                </a:solidFill>
-                <a:latin typeface="TimesNewRoman"/>
-              </a:rPr>
-              <a:t>Figure </a:t>
-            </a:r>
-            <a:r>
-              <a:rPr lang="en-US" dirty="0" smtClean="0">
-                <a:solidFill>
-                  <a:srgbClr val="000000"/>
-                </a:solidFill>
-                <a:latin typeface="TimesNewRoman"/>
-              </a:rPr>
-              <a:t>9.5 </a:t>
-            </a:r>
-            <a:r>
-              <a:rPr lang="en-US" dirty="0">
-                <a:solidFill>
-                  <a:srgbClr val="000000"/>
-                </a:solidFill>
-                <a:latin typeface="TimesNewRoman"/>
-              </a:rPr>
-              <a:t>Wait and turnaround times for </a:t>
-            </a:r>
-            <a:r>
-              <a:rPr lang="en-US" dirty="0" smtClean="0">
-                <a:solidFill>
-                  <a:srgbClr val="000000"/>
-                </a:solidFill>
-                <a:latin typeface="TimesNewRoman"/>
-              </a:rPr>
-              <a:t>processes</a:t>
-            </a:r>
-            <a:endParaRPr lang="en-US" dirty="0"/>
-          </a:p>
-        </p:txBody>
-      </p:sp>
-    </p:spTree>
-    <p:extLst>
-      <p:ext uri="{BB962C8B-B14F-4D97-AF65-F5344CB8AC3E}">
-        <p14:creationId xmlns:p14="http://schemas.microsoft.com/office/powerpoint/2010/main" val="562744747"/>
-      </p:ext>
-    </p:extLst>
-  </p:cSld>
-  <p:clrMapOvr>
-    <a:masterClrMapping/>
-  </p:clrMapOvr>
-  <p:timing>
-    <p:tnLst>
-      <p:par>
-        <p:cTn id="1" dur="indefinite" restart="never" nodeType="tmRoot"/>
-      </p:par>
-    </p:tnLst>
-  </p:timing>
-</p:sld>
-</file>
-
-<file path=ppt/slides/slide21.xml><?xml version="1.0" encoding="utf-8"?>
-<p:sld xmlns:a="http://schemas.openxmlformats.org/drawingml/2006/main" xmlns:r="http://schemas.openxmlformats.org/officeDocument/2006/relationships" xmlns:p="http://schemas.openxmlformats.org/presentationml/2006/main">
-  <p:cSld>
-    <p:spTree>
-      <p:nvGrpSpPr>
-        <p:cNvPr id="1" name=""/>
-        <p:cNvGrpSpPr/>
-        <p:nvPr/>
-      </p:nvGrpSpPr>
-      <p:grpSpPr>
-        <a:xfrm>
-          <a:off x="0" y="0"/>
-          <a:ext cx="0" cy="0"/>
-          <a:chOff x="0" y="0"/>
-          <a:chExt cx="0" cy="0"/>
-        </a:xfrm>
-      </p:grpSpPr>
-      <p:sp>
-        <p:nvSpPr>
-          <p:cNvPr id="2" name="Title 1"/>
-          <p:cNvSpPr>
-            <a:spLocks noGrp="1"/>
-          </p:cNvSpPr>
-          <p:nvPr>
-            <p:ph type="title"/>
-          </p:nvPr>
-        </p:nvSpPr>
-        <p:spPr/>
-        <p:txBody>
-          <a:bodyPr/>
-          <a:lstStyle/>
-          <a:p>
-            <a:r>
-              <a:rPr lang="en-US" dirty="0">
-                <a:solidFill>
-                  <a:srgbClr val="FF0000"/>
-                </a:solidFill>
-              </a:rPr>
-              <a:t>Round-Robin Scheduling (Continue..)</a:t>
-            </a:r>
-            <a:endParaRPr lang="en-US" dirty="0"/>
-          </a:p>
-        </p:txBody>
-      </p:sp>
-      <p:sp>
-        <p:nvSpPr>
-          <p:cNvPr id="3" name="Content Placeholder 2"/>
-          <p:cNvSpPr>
-            <a:spLocks noGrp="1"/>
-          </p:cNvSpPr>
-          <p:nvPr>
-            <p:ph idx="1"/>
-          </p:nvPr>
-        </p:nvSpPr>
-        <p:spPr/>
-        <p:txBody>
-          <a:bodyPr/>
-          <a:lstStyle/>
-          <a:p>
-            <a:pPr>
-              <a:lnSpc>
-                <a:spcPct val="80000"/>
-              </a:lnSpc>
-              <a:spcBef>
-                <a:spcPct val="30000"/>
-              </a:spcBef>
-            </a:pPr>
-            <a:r>
-              <a:rPr lang="en-US" altLang="en-US" dirty="0"/>
-              <a:t>Average waiting time = 73</a:t>
-            </a:r>
-          </a:p>
-          <a:p>
-            <a:pPr>
-              <a:lnSpc>
-                <a:spcPct val="80000"/>
-              </a:lnSpc>
-              <a:spcBef>
-                <a:spcPct val="30000"/>
-              </a:spcBef>
-            </a:pPr>
-            <a:r>
-              <a:rPr lang="en-US" altLang="en-US" dirty="0"/>
-              <a:t>Average waiting time for SJF = 38</a:t>
-            </a:r>
-          </a:p>
-          <a:p>
-            <a:pPr>
-              <a:lnSpc>
-                <a:spcPct val="80000"/>
-              </a:lnSpc>
-              <a:spcBef>
-                <a:spcPct val="30000"/>
-              </a:spcBef>
-            </a:pPr>
-            <a:r>
-              <a:rPr lang="en-US" altLang="en-US" dirty="0"/>
-              <a:t>Typically, higher average turnaround than SJF, but better response</a:t>
-            </a:r>
-            <a:r>
-              <a:rPr lang="en-US" altLang="en-US" dirty="0" smtClean="0"/>
-              <a:t>.</a:t>
-            </a:r>
-            <a:endParaRPr lang="en-US" altLang="en-US" sz="2400" dirty="0" smtClean="0"/>
-          </a:p>
-          <a:p>
-            <a:endParaRPr lang="en-US" dirty="0"/>
-          </a:p>
-        </p:txBody>
-      </p:sp>
-    </p:spTree>
-    <p:extLst>
-      <p:ext uri="{BB962C8B-B14F-4D97-AF65-F5344CB8AC3E}">
-        <p14:creationId xmlns:p14="http://schemas.microsoft.com/office/powerpoint/2010/main" val="3921244158"/>
-      </p:ext>
-    </p:extLst>
-  </p:cSld>
-  <p:clrMapOvr>
-    <a:masterClrMapping/>
-  </p:clrMapOvr>
 </p:sld>
 </file>
 
